--- a/docs/diagrams/FindSequenceDiagram.pptx
+++ b/docs/diagrams/FindSequenceDiagram.pptx
@@ -3450,8 +3450,8 @@
         </p:nvSpPr>
         <p:spPr>
           <a:xfrm>
-            <a:off x="4629329" y="508982"/>
-            <a:ext cx="3903825" cy="4335741"/>
+            <a:off x="6329408" y="638460"/>
+            <a:ext cx="2613024" cy="5581079"/>
           </a:xfrm>
           <a:prstGeom prst="roundRect">
             <a:avLst>
@@ -3511,8 +3511,8 @@
         </p:nvSpPr>
         <p:spPr>
           <a:xfrm>
-            <a:off x="-1261487" y="501322"/>
-            <a:ext cx="5863964" cy="4974137"/>
+            <a:off x="438591" y="630800"/>
+            <a:ext cx="5863964" cy="5607714"/>
           </a:xfrm>
           <a:prstGeom prst="roundRect">
             <a:avLst>
@@ -3578,7 +3578,7 @@
         </p:nvSpPr>
         <p:spPr>
           <a:xfrm>
-            <a:off x="2286956" y="3068745"/>
+            <a:off x="3987034" y="3198223"/>
             <a:ext cx="4782937" cy="1126271"/>
           </a:xfrm>
           <a:prstGeom prst="roundRect">
@@ -3637,7 +3637,7 @@
         </p:nvSpPr>
         <p:spPr>
           <a:xfrm>
-            <a:off x="6221871" y="3720950"/>
+            <a:off x="7921949" y="3850428"/>
             <a:ext cx="124913" cy="199942"/>
           </a:xfrm>
           <a:prstGeom prst="rect">
@@ -3690,7 +3690,7 @@
         </p:nvSpPr>
         <p:spPr>
           <a:xfrm>
-            <a:off x="2407573" y="3127398"/>
+            <a:off x="4107651" y="3256876"/>
             <a:ext cx="423242" cy="261919"/>
           </a:xfrm>
           <a:custGeom>
@@ -3800,7 +3800,7 @@
         </p:nvCxnSpPr>
         <p:spPr>
           <a:xfrm>
-            <a:off x="6286461" y="3783710"/>
+            <a:off x="7986539" y="3913188"/>
             <a:ext cx="0" cy="373125"/>
           </a:xfrm>
           <a:prstGeom prst="line">
@@ -3843,7 +3843,7 @@
         </p:nvSpPr>
         <p:spPr>
           <a:xfrm>
-            <a:off x="5333265" y="2439811"/>
+            <a:off x="7047877" y="2650146"/>
             <a:ext cx="124913" cy="199942"/>
           </a:xfrm>
           <a:prstGeom prst="rect">
@@ -3890,7 +3890,7 @@
         </p:nvSpPr>
         <p:spPr>
           <a:xfrm>
-            <a:off x="-846155" y="882251"/>
+            <a:off x="853923" y="1011729"/>
             <a:ext cx="1455629" cy="346760"/>
           </a:xfrm>
           <a:prstGeom prst="rect">
@@ -3959,8 +3959,8 @@
         </p:nvCxnSpPr>
         <p:spPr>
           <a:xfrm>
-            <a:off x="-118341" y="1245922"/>
-            <a:ext cx="0" cy="3481399"/>
+            <a:off x="1581737" y="1375400"/>
+            <a:ext cx="0" cy="4844139"/>
           </a:xfrm>
           <a:prstGeom prst="line">
             <a:avLst/>
@@ -3996,8 +3996,8 @@
         </p:nvSpPr>
         <p:spPr>
           <a:xfrm>
-            <a:off x="-190349" y="1596616"/>
-            <a:ext cx="152400" cy="2932689"/>
+            <a:off x="1511536" y="1726094"/>
+            <a:ext cx="131666" cy="4259768"/>
           </a:xfrm>
           <a:prstGeom prst="rect">
             <a:avLst/>
@@ -4043,7 +4043,7 @@
         </p:nvSpPr>
         <p:spPr>
           <a:xfrm>
-            <a:off x="1017000" y="882251"/>
+            <a:off x="2717078" y="1011729"/>
             <a:ext cx="975176" cy="339481"/>
           </a:xfrm>
           <a:prstGeom prst="rect">
@@ -4115,8 +4115,8 @@
         </p:nvCxnSpPr>
         <p:spPr>
           <a:xfrm flipH="1">
-            <a:off x="1504588" y="1220220"/>
-            <a:ext cx="11169" cy="2429524"/>
+            <a:off x="3214207" y="1349698"/>
+            <a:ext cx="1630" cy="4869841"/>
           </a:xfrm>
           <a:prstGeom prst="line">
             <a:avLst/>
@@ -4152,8 +4152,8 @@
         </p:nvSpPr>
         <p:spPr>
           <a:xfrm>
-            <a:off x="1443750" y="1678412"/>
-            <a:ext cx="130527" cy="895533"/>
+            <a:off x="3143829" y="1807890"/>
+            <a:ext cx="120663" cy="3902175"/>
           </a:xfrm>
           <a:prstGeom prst="rect">
             <a:avLst/>
@@ -4205,8 +4205,8 @@
         </p:nvCxnSpPr>
         <p:spPr>
           <a:xfrm>
-            <a:off x="3031483" y="2109564"/>
-            <a:ext cx="2388" cy="3474247"/>
+            <a:off x="4731561" y="2239042"/>
+            <a:ext cx="25699" cy="3774718"/>
           </a:xfrm>
           <a:prstGeom prst="line">
             <a:avLst/>
@@ -4242,7 +4242,7 @@
         </p:nvSpPr>
         <p:spPr>
           <a:xfrm>
-            <a:off x="2955175" y="1899292"/>
+            <a:off x="4655253" y="2028770"/>
             <a:ext cx="124913" cy="199942"/>
           </a:xfrm>
           <a:prstGeom prst="rect">
@@ -4284,13 +4284,15 @@
       <p:cxnSp>
         <p:nvCxnSpPr>
           <p:cNvPr id="23" name="Straight Arrow Connector 22"/>
-          <p:cNvCxnSpPr/>
+          <p:cNvCxnSpPr>
+            <a:cxnSpLocks/>
+          </p:cNvCxnSpPr>
           <p:nvPr/>
         </p:nvCxnSpPr>
         <p:spPr>
           <a:xfrm>
-            <a:off x="-1310200" y="1600304"/>
-            <a:ext cx="1119851" cy="0"/>
+            <a:off x="152400" y="1726094"/>
+            <a:ext cx="1357329" cy="3688"/>
           </a:xfrm>
           <a:prstGeom prst="straightConnector1">
             <a:avLst/>
@@ -4325,7 +4327,7 @@
         </p:nvSpPr>
         <p:spPr>
           <a:xfrm>
-            <a:off x="-1691200" y="1328905"/>
+            <a:off x="8878" y="1458383"/>
             <a:ext cx="1424846" cy="215444"/>
           </a:xfrm>
           <a:prstGeom prst="rect">
@@ -4362,7 +4364,7 @@
                   <a:srgbClr val="0070C0"/>
                 </a:solidFill>
               </a:rPr>
-              <a:t>))</a:t>
+              <a:t>)</a:t>
             </a:r>
           </a:p>
         </p:txBody>
@@ -4377,7 +4379,7 @@
         </p:nvCxnSpPr>
         <p:spPr>
           <a:xfrm flipV="1">
-            <a:off x="1572340" y="1800362"/>
+            <a:off x="3272418" y="1929840"/>
             <a:ext cx="820406" cy="1"/>
           </a:xfrm>
           <a:prstGeom prst="straightConnector1">
@@ -4405,46 +4407,6 @@
           </a:fontRef>
         </p:style>
       </p:cxnSp>
-      <p:sp>
-        <p:nvSpPr>
-          <p:cNvPr id="29" name="TextBox 28"/>
-          <p:cNvSpPr txBox="1"/>
-          <p:nvPr/>
-        </p:nvSpPr>
-        <p:spPr>
-          <a:xfrm>
-            <a:off x="1800659" y="6188245"/>
-            <a:ext cx="855809" cy="215444"/>
-          </a:xfrm>
-          <a:prstGeom prst="rect">
-            <a:avLst/>
-          </a:prstGeom>
-          <a:noFill/>
-        </p:spPr>
-        <p:txBody>
-          <a:bodyPr wrap="square" lIns="0" tIns="0" rIns="0" bIns="0" rtlCol="0">
-            <a:spAutoFit/>
-          </a:bodyPr>
-          <a:lstStyle>
-            <a:defPPr>
-              <a:defRPr lang="en-US"/>
-            </a:defPPr>
-            <a:lvl1pPr algn="r">
-              <a:defRPr sz="1400">
-                <a:solidFill>
-                  <a:srgbClr val="0070C0"/>
-                </a:solidFill>
-              </a:defRPr>
-            </a:lvl1pPr>
-          </a:lstStyle>
-          <a:p>
-            <a:r>
-              <a:rPr lang="en-US" dirty="0"/>
-              <a:t>execute()</a:t>
-            </a:r>
-          </a:p>
-        </p:txBody>
-      </p:sp>
       <p:cxnSp>
         <p:nvCxnSpPr>
           <p:cNvPr id="34" name="Straight Arrow Connector 33"/>
@@ -4455,7 +4417,7 @@
         </p:nvCxnSpPr>
         <p:spPr>
           <a:xfrm flipV="1">
-            <a:off x="1582108" y="2099818"/>
+            <a:off x="3282186" y="2229296"/>
             <a:ext cx="1409699" cy="2362"/>
           </a:xfrm>
           <a:prstGeom prst="straightConnector1">
@@ -4495,8 +4457,8 @@
         </p:nvCxnSpPr>
         <p:spPr>
           <a:xfrm>
-            <a:off x="334997" y="5831852"/>
-            <a:ext cx="2348067" cy="0"/>
+            <a:off x="4776237" y="5284523"/>
+            <a:ext cx="743080" cy="0"/>
           </a:xfrm>
           <a:prstGeom prst="straightConnector1">
             <a:avLst/>
@@ -4508,6 +4470,216 @@
             <a:prstDash val="sysDash"/>
             <a:headEnd type="arrow" w="med" len="med"/>
             <a:tailEnd type="none" w="med" len="med"/>
+          </a:ln>
+        </p:spPr>
+        <p:style>
+          <a:lnRef idx="1">
+            <a:schemeClr val="accent1"/>
+          </a:lnRef>
+          <a:fillRef idx="0">
+            <a:schemeClr val="accent1"/>
+          </a:fillRef>
+          <a:effectRef idx="0">
+            <a:schemeClr val="accent1"/>
+          </a:effectRef>
+          <a:fontRef idx="minor">
+            <a:schemeClr val="tx1"/>
+          </a:fontRef>
+        </p:style>
+      </p:cxnSp>
+      <p:sp>
+        <p:nvSpPr>
+          <p:cNvPr id="80" name="TextBox 79"/>
+          <p:cNvSpPr txBox="1"/>
+          <p:nvPr/>
+        </p:nvSpPr>
+        <p:spPr>
+          <a:xfrm>
+            <a:off x="1653746" y="1581494"/>
+            <a:ext cx="1394948" cy="184666"/>
+          </a:xfrm>
+          <a:prstGeom prst="rect">
+            <a:avLst/>
+          </a:prstGeom>
+          <a:noFill/>
+        </p:spPr>
+        <p:txBody>
+          <a:bodyPr wrap="square" lIns="0" tIns="0" rIns="0" bIns="0" rtlCol="0">
+            <a:spAutoFit/>
+          </a:bodyPr>
+          <a:lstStyle>
+            <a:defPPr>
+              <a:defRPr lang="en-US"/>
+            </a:defPPr>
+            <a:lvl1pPr algn="r">
+              <a:defRPr sz="1400">
+                <a:solidFill>
+                  <a:srgbClr val="0070C0"/>
+                </a:solidFill>
+              </a:defRPr>
+            </a:lvl1pPr>
+          </a:lstStyle>
+          <a:p>
+            <a:r>
+              <a:rPr lang="en-US" sz="1200" dirty="0" err="1"/>
+              <a:t>parseCommand</a:t>
+            </a:r>
+            <a:r>
+              <a:rPr lang="en-US" sz="1200" dirty="0"/>
+              <a:t>(</a:t>
+            </a:r>
+            <a:r>
+              <a:rPr lang="en-US" sz="1200" dirty="0" err="1"/>
+              <a:t>args</a:t>
+            </a:r>
+            <a:r>
+              <a:rPr lang="en-US" sz="1200" dirty="0"/>
+              <a:t>)</a:t>
+            </a:r>
+          </a:p>
+        </p:txBody>
+      </p:sp>
+      <p:sp>
+        <p:nvSpPr>
+          <p:cNvPr id="93" name="TextBox 92"/>
+          <p:cNvSpPr txBox="1"/>
+          <p:nvPr/>
+        </p:nvSpPr>
+        <p:spPr>
+          <a:xfrm>
+            <a:off x="3291345" y="5203079"/>
+            <a:ext cx="702471" cy="215444"/>
+          </a:xfrm>
+          <a:prstGeom prst="rect">
+            <a:avLst/>
+          </a:prstGeom>
+          <a:noFill/>
+        </p:spPr>
+        <p:txBody>
+          <a:bodyPr wrap="square" lIns="0" tIns="0" rIns="0" bIns="0" rtlCol="0">
+            <a:spAutoFit/>
+          </a:bodyPr>
+          <a:lstStyle>
+            <a:defPPr>
+              <a:defRPr lang="en-US"/>
+            </a:defPPr>
+            <a:lvl1pPr algn="r">
+              <a:defRPr sz="1400">
+                <a:solidFill>
+                  <a:srgbClr val="0070C0"/>
+                </a:solidFill>
+              </a:defRPr>
+            </a:lvl1pPr>
+          </a:lstStyle>
+          <a:p>
+            <a:r>
+              <a:rPr lang="en-US" dirty="0"/>
+              <a:t>f</a:t>
+            </a:r>
+          </a:p>
+        </p:txBody>
+      </p:sp>
+      <p:sp>
+        <p:nvSpPr>
+          <p:cNvPr id="19" name="Rectangle 62"/>
+          <p:cNvSpPr/>
+          <p:nvPr/>
+        </p:nvSpPr>
+        <p:spPr>
+          <a:xfrm>
+            <a:off x="4081833" y="1769148"/>
+            <a:ext cx="1178175" cy="321384"/>
+          </a:xfrm>
+          <a:prstGeom prst="rect">
+            <a:avLst/>
+          </a:prstGeom>
+          <a:solidFill>
+            <a:srgbClr val="0070C0"/>
+          </a:solidFill>
+          <a:ln w="19050">
+            <a:solidFill>
+              <a:srgbClr val="0070C0"/>
+            </a:solidFill>
+          </a:ln>
+          <a:effectLst/>
+        </p:spPr>
+        <p:style>
+          <a:lnRef idx="1">
+            <a:schemeClr val="accent2"/>
+          </a:lnRef>
+          <a:fillRef idx="2">
+            <a:schemeClr val="accent2"/>
+          </a:fillRef>
+          <a:effectRef idx="1">
+            <a:schemeClr val="accent2"/>
+          </a:effectRef>
+          <a:fontRef idx="minor">
+            <a:schemeClr val="dk1"/>
+          </a:fontRef>
+        </p:style>
+        <p:txBody>
+          <a:bodyPr rtlCol="0" anchor="ctr"/>
+          <a:lstStyle/>
+          <a:p>
+            <a:pPr algn="ctr"/>
+            <a:r>
+              <a:rPr lang="en-US" sz="1100" dirty="0">
+                <a:solidFill>
+                  <a:schemeClr val="bg1"/>
+                </a:solidFill>
+              </a:rPr>
+              <a:t>:Find</a:t>
+            </a:r>
+            <a:br>
+              <a:rPr lang="en-US" sz="1100" dirty="0">
+                <a:solidFill>
+                  <a:schemeClr val="bg1"/>
+                </a:solidFill>
+              </a:rPr>
+            </a:br>
+            <a:r>
+              <a:rPr lang="en-US" sz="1100" dirty="0" err="1">
+                <a:solidFill>
+                  <a:schemeClr val="bg1"/>
+                </a:solidFill>
+              </a:rPr>
+              <a:t>CommandParser</a:t>
+            </a:r>
+            <a:endParaRPr lang="en-SG" sz="1100" dirty="0">
+              <a:solidFill>
+                <a:schemeClr val="bg1"/>
+              </a:solidFill>
+            </a:endParaRPr>
+          </a:p>
+        </p:txBody>
+      </p:sp>
+      <p:cxnSp>
+        <p:nvCxnSpPr>
+          <p:cNvPr id="67" name="Straight Arrow Connector 66">
+            <a:extLst>
+              <a:ext uri="{FF2B5EF4-FFF2-40B4-BE49-F238E27FC236}">
+                <a16:creationId xmlns:a16="http://schemas.microsoft.com/office/drawing/2014/main" id="{D881596E-177C-4FDC-8E60-CAB90B3D5FAB}"/>
+              </a:ext>
+            </a:extLst>
+          </p:cNvPr>
+          <p:cNvCxnSpPr>
+            <a:cxnSpLocks/>
+          </p:cNvCxnSpPr>
+          <p:nvPr/>
+        </p:nvCxnSpPr>
+        <p:spPr>
+          <a:xfrm>
+            <a:off x="1679023" y="1831701"/>
+            <a:ext cx="1460162" cy="0"/>
+          </a:xfrm>
+          <a:prstGeom prst="straightConnector1">
+            <a:avLst/>
+          </a:prstGeom>
+          <a:ln w="19050">
+            <a:solidFill>
+              <a:srgbClr val="0070C0"/>
+            </a:solidFill>
+            <a:tailEnd type="arrow"/>
           </a:ln>
         </p:spPr>
         <p:style>
@@ -4527,802 +4699,6 @@
       </p:cxnSp>
       <p:cxnSp>
         <p:nvCxnSpPr>
-          <p:cNvPr id="37" name="Straight Arrow Connector 36"/>
-          <p:cNvCxnSpPr/>
-          <p:nvPr/>
-        </p:nvCxnSpPr>
-        <p:spPr>
-          <a:xfrm>
-            <a:off x="-1348301" y="4529305"/>
-            <a:ext cx="1196051" cy="0"/>
-          </a:xfrm>
-          <a:prstGeom prst="straightConnector1">
-            <a:avLst/>
-          </a:prstGeom>
-          <a:ln w="19050">
-            <a:solidFill>
-              <a:schemeClr val="accent1"/>
-            </a:solidFill>
-            <a:prstDash val="sysDash"/>
-            <a:headEnd type="arrow" w="med" len="med"/>
-            <a:tailEnd type="none" w="med" len="med"/>
-          </a:ln>
-        </p:spPr>
-        <p:style>
-          <a:lnRef idx="1">
-            <a:schemeClr val="accent1"/>
-          </a:lnRef>
-          <a:fillRef idx="0">
-            <a:schemeClr val="accent1"/>
-          </a:fillRef>
-          <a:effectRef idx="0">
-            <a:schemeClr val="accent1"/>
-          </a:effectRef>
-          <a:fontRef idx="minor">
-            <a:schemeClr val="tx1"/>
-          </a:fontRef>
-        </p:style>
-      </p:cxnSp>
-      <p:sp>
-        <p:nvSpPr>
-          <p:cNvPr id="79" name="TextBox 78"/>
-          <p:cNvSpPr txBox="1"/>
-          <p:nvPr/>
-        </p:nvSpPr>
-        <p:spPr>
-          <a:xfrm>
-            <a:off x="5848154" y="6214534"/>
-            <a:ext cx="1298078" cy="184666"/>
-          </a:xfrm>
-          <a:prstGeom prst="rect">
-            <a:avLst/>
-          </a:prstGeom>
-          <a:noFill/>
-        </p:spPr>
-        <p:txBody>
-          <a:bodyPr wrap="square" lIns="0" tIns="0" rIns="0" bIns="0" rtlCol="0">
-            <a:spAutoFit/>
-          </a:bodyPr>
-          <a:lstStyle>
-            <a:defPPr>
-              <a:defRPr lang="en-US"/>
-            </a:defPPr>
-            <a:lvl1pPr algn="r">
-              <a:defRPr sz="1400">
-                <a:solidFill>
-                  <a:srgbClr val="0070C0"/>
-                </a:solidFill>
-              </a:defRPr>
-            </a:lvl1pPr>
-          </a:lstStyle>
-          <a:p>
-            <a:r>
-              <a:rPr lang="en-US" sz="1200" dirty="0" err="1">
-                <a:solidFill>
-                  <a:schemeClr val="accent4">
-                    <a:lumMod val="75000"/>
-                  </a:schemeClr>
-                </a:solidFill>
-              </a:rPr>
-              <a:t>undo</a:t>
-            </a:r>
-            <a:r>
-              <a:rPr lang="en-US" sz="1200" dirty="0" err="1">
-                <a:solidFill>
-                  <a:srgbClr val="7030A0"/>
-                </a:solidFill>
-              </a:rPr>
-              <a:t>AddressBook</a:t>
-            </a:r>
-            <a:r>
-              <a:rPr lang="en-US" sz="1200" dirty="0">
-                <a:solidFill>
-                  <a:srgbClr val="7030A0"/>
-                </a:solidFill>
-              </a:rPr>
-              <a:t>()</a:t>
-            </a:r>
-            <a:endParaRPr lang="en-US" sz="1200" dirty="0"/>
-          </a:p>
-        </p:txBody>
-      </p:sp>
-      <p:sp>
-        <p:nvSpPr>
-          <p:cNvPr id="80" name="TextBox 79"/>
-          <p:cNvSpPr txBox="1"/>
-          <p:nvPr/>
-        </p:nvSpPr>
-        <p:spPr>
-          <a:xfrm>
-            <a:off x="-46332" y="1452016"/>
-            <a:ext cx="1394948" cy="184666"/>
-          </a:xfrm>
-          <a:prstGeom prst="rect">
-            <a:avLst/>
-          </a:prstGeom>
-          <a:noFill/>
-        </p:spPr>
-        <p:txBody>
-          <a:bodyPr wrap="square" lIns="0" tIns="0" rIns="0" bIns="0" rtlCol="0">
-            <a:spAutoFit/>
-          </a:bodyPr>
-          <a:lstStyle>
-            <a:defPPr>
-              <a:defRPr lang="en-US"/>
-            </a:defPPr>
-            <a:lvl1pPr algn="r">
-              <a:defRPr sz="1400">
-                <a:solidFill>
-                  <a:srgbClr val="0070C0"/>
-                </a:solidFill>
-              </a:defRPr>
-            </a:lvl1pPr>
-          </a:lstStyle>
-          <a:p>
-            <a:r>
-              <a:rPr lang="en-US" sz="1200" dirty="0" err="1"/>
-              <a:t>parseCommand</a:t>
-            </a:r>
-            <a:r>
-              <a:rPr lang="en-US" sz="1200" dirty="0"/>
-              <a:t>(</a:t>
-            </a:r>
-            <a:r>
-              <a:rPr lang="en-US" sz="1200" dirty="0" err="1"/>
-              <a:t>args</a:t>
-            </a:r>
-            <a:r>
-              <a:rPr lang="en-US" sz="1200" dirty="0"/>
-              <a:t>)</a:t>
-            </a:r>
-          </a:p>
-        </p:txBody>
-      </p:sp>
-      <p:sp>
-        <p:nvSpPr>
-          <p:cNvPr id="82" name="TextBox 81"/>
-          <p:cNvSpPr txBox="1"/>
-          <p:nvPr/>
-        </p:nvSpPr>
-        <p:spPr>
-          <a:xfrm>
-            <a:off x="1543455" y="6514695"/>
-            <a:ext cx="621216" cy="215444"/>
-          </a:xfrm>
-          <a:prstGeom prst="rect">
-            <a:avLst/>
-          </a:prstGeom>
-          <a:noFill/>
-        </p:spPr>
-        <p:txBody>
-          <a:bodyPr wrap="square" lIns="0" tIns="0" rIns="0" bIns="0" rtlCol="0">
-            <a:spAutoFit/>
-          </a:bodyPr>
-          <a:lstStyle>
-            <a:defPPr>
-              <a:defRPr lang="en-US"/>
-            </a:defPPr>
-            <a:lvl1pPr algn="r">
-              <a:defRPr sz="1400">
-                <a:solidFill>
-                  <a:srgbClr val="0070C0"/>
-                </a:solidFill>
-              </a:defRPr>
-            </a:lvl1pPr>
-          </a:lstStyle>
-          <a:p>
-            <a:r>
-              <a:rPr lang="en-US" dirty="0"/>
-              <a:t>result</a:t>
-            </a:r>
-          </a:p>
-        </p:txBody>
-      </p:sp>
-      <p:sp>
-        <p:nvSpPr>
-          <p:cNvPr id="83" name="TextBox 82"/>
-          <p:cNvSpPr txBox="1"/>
-          <p:nvPr/>
-        </p:nvSpPr>
-        <p:spPr>
-          <a:xfrm>
-            <a:off x="-1084030" y="4284206"/>
-            <a:ext cx="762000" cy="215444"/>
-          </a:xfrm>
-          <a:prstGeom prst="rect">
-            <a:avLst/>
-          </a:prstGeom>
-          <a:noFill/>
-        </p:spPr>
-        <p:txBody>
-          <a:bodyPr wrap="square" lIns="0" tIns="0" rIns="0" bIns="0" rtlCol="0">
-            <a:spAutoFit/>
-          </a:bodyPr>
-          <a:lstStyle>
-            <a:defPPr>
-              <a:defRPr lang="en-US"/>
-            </a:defPPr>
-            <a:lvl1pPr algn="r">
-              <a:defRPr sz="1400">
-                <a:solidFill>
-                  <a:srgbClr val="0070C0"/>
-                </a:solidFill>
-              </a:defRPr>
-            </a:lvl1pPr>
-          </a:lstStyle>
-          <a:p>
-            <a:r>
-              <a:rPr lang="en-US" dirty="0"/>
-              <a:t>result</a:t>
-            </a:r>
-          </a:p>
-        </p:txBody>
-      </p:sp>
-      <p:sp>
-        <p:nvSpPr>
-          <p:cNvPr id="84" name="Rectangle 62"/>
-          <p:cNvSpPr/>
-          <p:nvPr/>
-        </p:nvSpPr>
-        <p:spPr>
-          <a:xfrm>
-            <a:off x="7971416" y="4188961"/>
-            <a:ext cx="2181777" cy="335427"/>
-          </a:xfrm>
-          <a:prstGeom prst="rect">
-            <a:avLst/>
-          </a:prstGeom>
-          <a:solidFill>
-            <a:srgbClr val="7030A0"/>
-          </a:solidFill>
-          <a:ln w="19050">
-            <a:solidFill>
-              <a:srgbClr val="7030A0"/>
-            </a:solidFill>
-          </a:ln>
-          <a:effectLst/>
-        </p:spPr>
-        <p:style>
-          <a:lnRef idx="1">
-            <a:schemeClr val="accent2"/>
-          </a:lnRef>
-          <a:fillRef idx="2">
-            <a:schemeClr val="accent2"/>
-          </a:fillRef>
-          <a:effectRef idx="1">
-            <a:schemeClr val="accent2"/>
-          </a:effectRef>
-          <a:fontRef idx="minor">
-            <a:schemeClr val="dk1"/>
-          </a:fontRef>
-        </p:style>
-        <p:txBody>
-          <a:bodyPr rtlCol="0" anchor="ctr"/>
-          <a:lstStyle/>
-          <a:p>
-            <a:pPr algn="ctr"/>
-            <a:r>
-              <a:rPr lang="en-US" sz="1600" dirty="0">
-                <a:solidFill>
-                  <a:schemeClr val="bg1"/>
-                </a:solidFill>
-              </a:rPr>
-              <a:t>:</a:t>
-            </a:r>
-            <a:r>
-              <a:rPr lang="en-US" sz="1600" dirty="0" err="1">
-                <a:solidFill>
-                  <a:schemeClr val="bg1"/>
-                </a:solidFill>
-              </a:rPr>
-              <a:t>VersionedAddressBook</a:t>
-            </a:r>
-            <a:endParaRPr lang="en-SG" sz="1600" dirty="0">
-              <a:solidFill>
-                <a:schemeClr val="bg1"/>
-              </a:solidFill>
-            </a:endParaRPr>
-          </a:p>
-        </p:txBody>
-      </p:sp>
-      <p:sp>
-        <p:nvSpPr>
-          <p:cNvPr id="93" name="TextBox 92"/>
-          <p:cNvSpPr txBox="1"/>
-          <p:nvPr/>
-        </p:nvSpPr>
-        <p:spPr>
-          <a:xfrm>
-            <a:off x="1687879" y="5604646"/>
-            <a:ext cx="220343" cy="215444"/>
-          </a:xfrm>
-          <a:prstGeom prst="rect">
-            <a:avLst/>
-          </a:prstGeom>
-          <a:noFill/>
-        </p:spPr>
-        <p:txBody>
-          <a:bodyPr wrap="square" lIns="0" tIns="0" rIns="0" bIns="0" rtlCol="0">
-            <a:spAutoFit/>
-          </a:bodyPr>
-          <a:lstStyle>
-            <a:defPPr>
-              <a:defRPr lang="en-US"/>
-            </a:defPPr>
-            <a:lvl1pPr algn="r">
-              <a:defRPr sz="1400">
-                <a:solidFill>
-                  <a:srgbClr val="0070C0"/>
-                </a:solidFill>
-              </a:defRPr>
-            </a:lvl1pPr>
-          </a:lstStyle>
-          <a:p>
-            <a:r>
-              <a:rPr lang="en-US" dirty="0"/>
-              <a:t>u</a:t>
-            </a:r>
-          </a:p>
-        </p:txBody>
-      </p:sp>
-      <p:cxnSp>
-        <p:nvCxnSpPr>
-          <p:cNvPr id="50" name="Straight Arrow Connector 49"/>
-          <p:cNvCxnSpPr>
-            <a:cxnSpLocks/>
-          </p:cNvCxnSpPr>
-          <p:nvPr/>
-        </p:nvCxnSpPr>
-        <p:spPr>
-          <a:xfrm>
-            <a:off x="5882361" y="6441632"/>
-            <a:ext cx="1210345" cy="0"/>
-          </a:xfrm>
-          <a:prstGeom prst="straightConnector1">
-            <a:avLst/>
-          </a:prstGeom>
-          <a:ln w="19050">
-            <a:solidFill>
-              <a:srgbClr val="0070C0"/>
-            </a:solidFill>
-            <a:tailEnd type="arrow"/>
-          </a:ln>
-        </p:spPr>
-        <p:style>
-          <a:lnRef idx="1">
-            <a:schemeClr val="accent1"/>
-          </a:lnRef>
-          <a:fillRef idx="0">
-            <a:schemeClr val="accent1"/>
-          </a:fillRef>
-          <a:effectRef idx="0">
-            <a:schemeClr val="accent1"/>
-          </a:effectRef>
-          <a:fontRef idx="minor">
-            <a:schemeClr val="tx1"/>
-          </a:fontRef>
-        </p:style>
-      </p:cxnSp>
-      <p:sp>
-        <p:nvSpPr>
-          <p:cNvPr id="4" name="TextBox 3"/>
-          <p:cNvSpPr txBox="1"/>
-          <p:nvPr/>
-        </p:nvSpPr>
-        <p:spPr>
-          <a:xfrm>
-            <a:off x="8676039" y="3242339"/>
-            <a:ext cx="258404" cy="261610"/>
-          </a:xfrm>
-          <a:prstGeom prst="rect">
-            <a:avLst/>
-          </a:prstGeom>
-          <a:noFill/>
-        </p:spPr>
-        <p:txBody>
-          <a:bodyPr wrap="none" rtlCol="0">
-            <a:spAutoFit/>
-          </a:bodyPr>
-          <a:lstStyle/>
-          <a:p>
-            <a:r>
-              <a:rPr lang="en-SG" sz="1100" dirty="0">
-                <a:solidFill>
-                  <a:srgbClr val="002060"/>
-                </a:solidFill>
-              </a:rPr>
-              <a:t>X</a:t>
-            </a:r>
-          </a:p>
-        </p:txBody>
-      </p:sp>
-      <p:sp>
-        <p:nvSpPr>
-          <p:cNvPr id="19" name="Rectangle 62"/>
-          <p:cNvSpPr/>
-          <p:nvPr/>
-        </p:nvSpPr>
-        <p:spPr>
-          <a:xfrm>
-            <a:off x="2381755" y="1639670"/>
-            <a:ext cx="1178175" cy="321384"/>
-          </a:xfrm>
-          <a:prstGeom prst="rect">
-            <a:avLst/>
-          </a:prstGeom>
-          <a:solidFill>
-            <a:srgbClr val="0070C0"/>
-          </a:solidFill>
-          <a:ln w="19050">
-            <a:solidFill>
-              <a:srgbClr val="0070C0"/>
-            </a:solidFill>
-          </a:ln>
-          <a:effectLst/>
-        </p:spPr>
-        <p:style>
-          <a:lnRef idx="1">
-            <a:schemeClr val="accent2"/>
-          </a:lnRef>
-          <a:fillRef idx="2">
-            <a:schemeClr val="accent2"/>
-          </a:fillRef>
-          <a:effectRef idx="1">
-            <a:schemeClr val="accent2"/>
-          </a:effectRef>
-          <a:fontRef idx="minor">
-            <a:schemeClr val="dk1"/>
-          </a:fontRef>
-        </p:style>
-        <p:txBody>
-          <a:bodyPr rtlCol="0" anchor="ctr"/>
-          <a:lstStyle/>
-          <a:p>
-            <a:pPr algn="ctr"/>
-            <a:r>
-              <a:rPr lang="en-US" sz="1100" dirty="0">
-                <a:solidFill>
-                  <a:schemeClr val="bg1"/>
-                </a:solidFill>
-              </a:rPr>
-              <a:t>:Find</a:t>
-            </a:r>
-            <a:br>
-              <a:rPr lang="en-US" sz="1100" dirty="0">
-                <a:solidFill>
-                  <a:schemeClr val="bg1"/>
-                </a:solidFill>
-              </a:rPr>
-            </a:br>
-            <a:r>
-              <a:rPr lang="en-US" sz="1100" dirty="0" err="1">
-                <a:solidFill>
-                  <a:schemeClr val="bg1"/>
-                </a:solidFill>
-              </a:rPr>
-              <a:t>CommandParser</a:t>
-            </a:r>
-            <a:endParaRPr lang="en-SG" sz="1100" dirty="0">
-              <a:solidFill>
-                <a:schemeClr val="bg1"/>
-              </a:solidFill>
-            </a:endParaRPr>
-          </a:p>
-        </p:txBody>
-      </p:sp>
-      <p:cxnSp>
-        <p:nvCxnSpPr>
-          <p:cNvPr id="66" name="Straight Arrow Connector 65">
-            <a:extLst>
-              <a:ext uri="{FF2B5EF4-FFF2-40B4-BE49-F238E27FC236}">
-                <a16:creationId xmlns:a16="http://schemas.microsoft.com/office/drawing/2014/main" id="{39916E2E-195A-4DC8-B025-B05FA87E6796}"/>
-              </a:ext>
-            </a:extLst>
-          </p:cNvPr>
-          <p:cNvCxnSpPr>
-            <a:cxnSpLocks/>
-          </p:cNvCxnSpPr>
-          <p:nvPr/>
-        </p:nvCxnSpPr>
-        <p:spPr>
-          <a:xfrm>
-            <a:off x="248589" y="6435488"/>
-            <a:ext cx="3832164" cy="1"/>
-          </a:xfrm>
-          <a:prstGeom prst="straightConnector1">
-            <a:avLst/>
-          </a:prstGeom>
-          <a:ln w="19050">
-            <a:solidFill>
-              <a:srgbClr val="0070C0"/>
-            </a:solidFill>
-            <a:tailEnd type="arrow"/>
-          </a:ln>
-        </p:spPr>
-        <p:style>
-          <a:lnRef idx="1">
-            <a:schemeClr val="accent1"/>
-          </a:lnRef>
-          <a:fillRef idx="0">
-            <a:schemeClr val="accent1"/>
-          </a:fillRef>
-          <a:effectRef idx="0">
-            <a:schemeClr val="accent1"/>
-          </a:effectRef>
-          <a:fontRef idx="minor">
-            <a:schemeClr val="tx1"/>
-          </a:fontRef>
-        </p:style>
-      </p:cxnSp>
-      <p:cxnSp>
-        <p:nvCxnSpPr>
-          <p:cNvPr id="67" name="Straight Arrow Connector 66">
-            <a:extLst>
-              <a:ext uri="{FF2B5EF4-FFF2-40B4-BE49-F238E27FC236}">
-                <a16:creationId xmlns:a16="http://schemas.microsoft.com/office/drawing/2014/main" id="{D881596E-177C-4FDC-8E60-CAB90B3D5FAB}"/>
-              </a:ext>
-            </a:extLst>
-          </p:cNvPr>
-          <p:cNvCxnSpPr>
-            <a:cxnSpLocks/>
-          </p:cNvCxnSpPr>
-          <p:nvPr/>
-        </p:nvCxnSpPr>
-        <p:spPr>
-          <a:xfrm>
-            <a:off x="-21055" y="1702223"/>
-            <a:ext cx="1460162" cy="0"/>
-          </a:xfrm>
-          <a:prstGeom prst="straightConnector1">
-            <a:avLst/>
-          </a:prstGeom>
-          <a:ln w="19050">
-            <a:solidFill>
-              <a:srgbClr val="0070C0"/>
-            </a:solidFill>
-            <a:tailEnd type="arrow"/>
-          </a:ln>
-        </p:spPr>
-        <p:style>
-          <a:lnRef idx="1">
-            <a:schemeClr val="accent1"/>
-          </a:lnRef>
-          <a:fillRef idx="0">
-            <a:schemeClr val="accent1"/>
-          </a:fillRef>
-          <a:effectRef idx="0">
-            <a:schemeClr val="accent1"/>
-          </a:effectRef>
-          <a:fontRef idx="minor">
-            <a:schemeClr val="tx1"/>
-          </a:fontRef>
-        </p:style>
-      </p:cxnSp>
-      <p:cxnSp>
-        <p:nvCxnSpPr>
-          <p:cNvPr id="69" name="Straight Arrow Connector 68">
-            <a:extLst>
-              <a:ext uri="{FF2B5EF4-FFF2-40B4-BE49-F238E27FC236}">
-                <a16:creationId xmlns:a16="http://schemas.microsoft.com/office/drawing/2014/main" id="{7C9F21BC-13A9-471F-825A-2621FD36355F}"/>
-              </a:ext>
-            </a:extLst>
-          </p:cNvPr>
-          <p:cNvCxnSpPr>
-            <a:cxnSpLocks/>
-          </p:cNvCxnSpPr>
-          <p:nvPr/>
-        </p:nvCxnSpPr>
-        <p:spPr>
-          <a:xfrm>
-            <a:off x="-37302" y="6760081"/>
-            <a:ext cx="3831517" cy="0"/>
-          </a:xfrm>
-          <a:prstGeom prst="straightConnector1">
-            <a:avLst/>
-          </a:prstGeom>
-          <a:ln w="19050">
-            <a:solidFill>
-              <a:srgbClr val="0070C0"/>
-            </a:solidFill>
-            <a:prstDash val="sysDash"/>
-            <a:headEnd type="arrow" w="med" len="med"/>
-            <a:tailEnd type="none" w="med" len="med"/>
-          </a:ln>
-        </p:spPr>
-        <p:style>
-          <a:lnRef idx="1">
-            <a:schemeClr val="accent1"/>
-          </a:lnRef>
-          <a:fillRef idx="0">
-            <a:schemeClr val="accent1"/>
-          </a:fillRef>
-          <a:effectRef idx="0">
-            <a:schemeClr val="accent1"/>
-          </a:effectRef>
-          <a:fontRef idx="minor">
-            <a:schemeClr val="tx1"/>
-          </a:fontRef>
-        </p:style>
-      </p:cxnSp>
-      <p:sp>
-        <p:nvSpPr>
-          <p:cNvPr id="88" name="TextBox 87">
-            <a:extLst>
-              <a:ext uri="{FF2B5EF4-FFF2-40B4-BE49-F238E27FC236}">
-                <a16:creationId xmlns:a16="http://schemas.microsoft.com/office/drawing/2014/main" id="{B85C6184-7378-4E89-A338-72B1E5056F4F}"/>
-              </a:ext>
-            </a:extLst>
-          </p:cNvPr>
-          <p:cNvSpPr txBox="1"/>
-          <p:nvPr/>
-        </p:nvSpPr>
-        <p:spPr>
-          <a:xfrm>
-            <a:off x="8142265" y="4887692"/>
-            <a:ext cx="2120786" cy="184666"/>
-          </a:xfrm>
-          <a:prstGeom prst="rect">
-            <a:avLst/>
-          </a:prstGeom>
-          <a:noFill/>
-        </p:spPr>
-        <p:txBody>
-          <a:bodyPr wrap="square" lIns="0" tIns="0" rIns="0" bIns="0" rtlCol="0">
-            <a:spAutoFit/>
-          </a:bodyPr>
-          <a:lstStyle>
-            <a:defPPr>
-              <a:defRPr lang="en-US"/>
-            </a:defPPr>
-            <a:lvl1pPr algn="r">
-              <a:defRPr sz="1400">
-                <a:solidFill>
-                  <a:srgbClr val="0070C0"/>
-                </a:solidFill>
-              </a:defRPr>
-            </a:lvl1pPr>
-          </a:lstStyle>
-          <a:p>
-            <a:r>
-              <a:rPr lang="en-US" sz="1200" dirty="0" err="1">
-                <a:solidFill>
-                  <a:srgbClr val="7030A0"/>
-                </a:solidFill>
-              </a:rPr>
-              <a:t>resetData</a:t>
-            </a:r>
-            <a:r>
-              <a:rPr lang="en-US" sz="1200" dirty="0">
-                <a:solidFill>
-                  <a:srgbClr val="7030A0"/>
-                </a:solidFill>
-              </a:rPr>
-              <a:t>(</a:t>
-            </a:r>
-            <a:r>
-              <a:rPr lang="en-US" sz="1200" dirty="0" err="1">
-                <a:solidFill>
-                  <a:srgbClr val="7030A0"/>
-                </a:solidFill>
-              </a:rPr>
-              <a:t>ReadOnlyAddressBook</a:t>
-            </a:r>
-            <a:r>
-              <a:rPr lang="en-US" sz="1200" dirty="0">
-                <a:solidFill>
-                  <a:srgbClr val="7030A0"/>
-                </a:solidFill>
-              </a:rPr>
-              <a:t>)</a:t>
-            </a:r>
-            <a:endParaRPr lang="en-US" sz="1200" dirty="0"/>
-          </a:p>
-        </p:txBody>
-      </p:sp>
-      <p:cxnSp>
-        <p:nvCxnSpPr>
-          <p:cNvPr id="89" name="Straight Connector 88">
-            <a:extLst>
-              <a:ext uri="{FF2B5EF4-FFF2-40B4-BE49-F238E27FC236}">
-                <a16:creationId xmlns:a16="http://schemas.microsoft.com/office/drawing/2014/main" id="{E4E1C8CA-49DF-45D8-80A5-D5C8282EE927}"/>
-              </a:ext>
-            </a:extLst>
-          </p:cNvPr>
-          <p:cNvCxnSpPr>
-            <a:cxnSpLocks/>
-          </p:cNvCxnSpPr>
-          <p:nvPr/>
-        </p:nvCxnSpPr>
-        <p:spPr>
-          <a:xfrm>
-            <a:off x="9062304" y="4491710"/>
-            <a:ext cx="17996" cy="1467648"/>
-          </a:xfrm>
-          <a:prstGeom prst="line">
-            <a:avLst/>
-          </a:prstGeom>
-          <a:ln w="19050">
-            <a:solidFill>
-              <a:srgbClr val="7030A0"/>
-            </a:solidFill>
-            <a:prstDash val="sysDash"/>
-          </a:ln>
-          <a:effectLst/>
-        </p:spPr>
-        <p:style>
-          <a:lnRef idx="1">
-            <a:schemeClr val="accent1"/>
-          </a:lnRef>
-          <a:fillRef idx="2">
-            <a:schemeClr val="accent1"/>
-          </a:fillRef>
-          <a:effectRef idx="1">
-            <a:schemeClr val="accent1"/>
-          </a:effectRef>
-          <a:fontRef idx="minor">
-            <a:schemeClr val="dk1"/>
-          </a:fontRef>
-        </p:style>
-      </p:cxnSp>
-      <p:sp>
-        <p:nvSpPr>
-          <p:cNvPr id="41" name="TextBox 40"/>
-          <p:cNvSpPr txBox="1"/>
-          <p:nvPr/>
-        </p:nvSpPr>
-        <p:spPr>
-          <a:xfrm>
-            <a:off x="8141952" y="4595699"/>
-            <a:ext cx="551687" cy="184666"/>
-          </a:xfrm>
-          <a:prstGeom prst="rect">
-            <a:avLst/>
-          </a:prstGeom>
-          <a:noFill/>
-          <a:ln>
-            <a:noFill/>
-          </a:ln>
-        </p:spPr>
-        <p:txBody>
-          <a:bodyPr wrap="square" lIns="0" tIns="0" rIns="0" bIns="0" rtlCol="0">
-            <a:spAutoFit/>
-          </a:bodyPr>
-          <a:lstStyle>
-            <a:defPPr>
-              <a:defRPr lang="en-US"/>
-            </a:defPPr>
-            <a:lvl1pPr algn="r">
-              <a:defRPr sz="1400">
-                <a:solidFill>
-                  <a:srgbClr val="0070C0"/>
-                </a:solidFill>
-              </a:defRPr>
-            </a:lvl1pPr>
-          </a:lstStyle>
-          <a:p>
-            <a:r>
-              <a:rPr lang="en-US" sz="1200" dirty="0">
-                <a:solidFill>
-                  <a:srgbClr val="7030A0"/>
-                </a:solidFill>
-              </a:rPr>
-              <a:t>undo</a:t>
-            </a:r>
-            <a:r>
-              <a:rPr lang="en-US" sz="1200" dirty="0">
-                <a:solidFill>
-                  <a:schemeClr val="accent4">
-                    <a:lumMod val="75000"/>
-                  </a:schemeClr>
-                </a:solidFill>
-              </a:rPr>
-              <a:t>()</a:t>
-            </a:r>
-          </a:p>
-        </p:txBody>
-      </p:sp>
-      <p:cxnSp>
-        <p:nvCxnSpPr>
           <p:cNvPr id="52" name="Straight Arrow Connector 51"/>
           <p:cNvCxnSpPr>
             <a:cxnSpLocks/>
@@ -5331,7 +4707,7 @@
         </p:nvCxnSpPr>
         <p:spPr>
           <a:xfrm>
-            <a:off x="3104371" y="2456335"/>
+            <a:off x="4804449" y="2585813"/>
             <a:ext cx="1554651" cy="0"/>
           </a:xfrm>
           <a:prstGeom prst="straightConnector1">
@@ -5342,52 +4718,6 @@
               <a:srgbClr val="7030A0"/>
             </a:solidFill>
             <a:tailEnd type="arrow"/>
-          </a:ln>
-        </p:spPr>
-        <p:style>
-          <a:lnRef idx="1">
-            <a:schemeClr val="accent1"/>
-          </a:lnRef>
-          <a:fillRef idx="0">
-            <a:schemeClr val="accent1"/>
-          </a:fillRef>
-          <a:effectRef idx="0">
-            <a:schemeClr val="accent1"/>
-          </a:effectRef>
-          <a:fontRef idx="minor">
-            <a:schemeClr val="tx1"/>
-          </a:fontRef>
-        </p:style>
-      </p:cxnSp>
-      <p:cxnSp>
-        <p:nvCxnSpPr>
-          <p:cNvPr id="60" name="Straight Arrow Connector 59">
-            <a:extLst>
-              <a:ext uri="{FF2B5EF4-FFF2-40B4-BE49-F238E27FC236}">
-                <a16:creationId xmlns:a16="http://schemas.microsoft.com/office/drawing/2014/main" id="{7C9F21BC-13A9-471F-825A-2621FD36355F}"/>
-              </a:ext>
-            </a:extLst>
-          </p:cNvPr>
-          <p:cNvCxnSpPr>
-            <a:cxnSpLocks/>
-          </p:cNvCxnSpPr>
-          <p:nvPr/>
-        </p:nvCxnSpPr>
-        <p:spPr>
-          <a:xfrm flipV="1">
-            <a:off x="7518252" y="5185269"/>
-            <a:ext cx="1470216" cy="6325"/>
-          </a:xfrm>
-          <a:prstGeom prst="straightConnector1">
-            <a:avLst/>
-          </a:prstGeom>
-          <a:ln w="19050">
-            <a:solidFill>
-              <a:srgbClr val="7030A0"/>
-            </a:solidFill>
-            <a:prstDash val="sysDash"/>
-            <a:headEnd type="arrow" w="med" len="med"/>
-            <a:tailEnd type="none" w="med" len="med"/>
           </a:ln>
         </p:spPr>
         <p:style>
@@ -5421,7 +4751,7 @@
         </p:nvCxnSpPr>
         <p:spPr>
           <a:xfrm>
-            <a:off x="3104371" y="4591410"/>
+            <a:off x="4804449" y="4720888"/>
             <a:ext cx="2228894" cy="0"/>
           </a:xfrm>
           <a:prstGeom prst="straightConnector1">
@@ -5467,7 +4797,7 @@
         </p:nvCxnSpPr>
         <p:spPr>
           <a:xfrm>
-            <a:off x="1581549" y="2419037"/>
+            <a:off x="3281627" y="2548515"/>
             <a:ext cx="1376374" cy="1"/>
           </a:xfrm>
           <a:prstGeom prst="straightConnector1">
@@ -5509,7 +4839,7 @@
         </p:nvSpPr>
         <p:spPr>
           <a:xfrm>
-            <a:off x="1754244" y="2185217"/>
+            <a:off x="3454322" y="2314695"/>
             <a:ext cx="914488" cy="215444"/>
           </a:xfrm>
           <a:prstGeom prst="rect">
@@ -5563,7 +4893,7 @@
         </p:nvSpPr>
         <p:spPr>
           <a:xfrm>
-            <a:off x="2967814" y="2377957"/>
+            <a:off x="4667892" y="2507435"/>
             <a:ext cx="101580" cy="2932689"/>
           </a:xfrm>
           <a:prstGeom prst="rect">
@@ -5616,7 +4946,7 @@
         </p:nvSpPr>
         <p:spPr>
           <a:xfrm>
-            <a:off x="3018136" y="3552079"/>
+            <a:off x="4718214" y="3681557"/>
             <a:ext cx="97733" cy="466524"/>
           </a:xfrm>
           <a:prstGeom prst="rect">
@@ -5669,7 +4999,7 @@
         </p:nvSpPr>
         <p:spPr>
           <a:xfrm>
-            <a:off x="2909174" y="3139525"/>
+            <a:off x="4609252" y="3269003"/>
             <a:ext cx="1544268" cy="246221"/>
           </a:xfrm>
           <a:prstGeom prst="rect">
@@ -5735,7 +5065,7 @@
         </p:nvSpPr>
         <p:spPr>
           <a:xfrm>
-            <a:off x="4652071" y="2193010"/>
+            <a:off x="6352297" y="2380801"/>
             <a:ext cx="1482706" cy="335427"/>
           </a:xfrm>
           <a:prstGeom prst="rect">
@@ -5802,8 +5132,8 @@
         </p:nvCxnSpPr>
         <p:spPr>
           <a:xfrm>
-            <a:off x="5402446" y="2573945"/>
-            <a:ext cx="0" cy="2795629"/>
+            <a:off x="7102672" y="2761736"/>
+            <a:ext cx="0" cy="2206420"/>
           </a:xfrm>
           <a:prstGeom prst="line">
             <a:avLst/>
@@ -5847,7 +5177,7 @@
         </p:nvCxnSpPr>
         <p:spPr>
           <a:xfrm>
-            <a:off x="3051006" y="2638649"/>
+            <a:off x="4787743" y="2821039"/>
             <a:ext cx="2298076" cy="893"/>
           </a:xfrm>
           <a:prstGeom prst="straightConnector1">
@@ -5891,7 +5221,7 @@
         </p:nvSpPr>
         <p:spPr>
           <a:xfrm>
-            <a:off x="4087795" y="2392478"/>
+            <a:off x="5787873" y="2521956"/>
             <a:ext cx="327334" cy="307777"/>
           </a:xfrm>
           <a:prstGeom prst="rect">
@@ -5931,7 +5261,7 @@
         </p:nvCxnSpPr>
         <p:spPr>
           <a:xfrm>
-            <a:off x="3158157" y="3717193"/>
+            <a:off x="4858235" y="3846671"/>
             <a:ext cx="2456556" cy="0"/>
           </a:xfrm>
           <a:prstGeom prst="straightConnector1">
@@ -5973,7 +5303,7 @@
         </p:nvSpPr>
         <p:spPr>
           <a:xfrm>
-            <a:off x="5628962" y="3462223"/>
+            <a:off x="7329040" y="3591701"/>
             <a:ext cx="1362109" cy="335427"/>
           </a:xfrm>
           <a:prstGeom prst="rect">
@@ -6040,7 +5370,7 @@
         </p:nvCxnSpPr>
         <p:spPr>
           <a:xfrm>
-            <a:off x="3115869" y="3892759"/>
+            <a:off x="4815947" y="4022237"/>
             <a:ext cx="3108083" cy="0"/>
           </a:xfrm>
           <a:prstGeom prst="straightConnector1">
@@ -6084,7 +5414,7 @@
         </p:nvSpPr>
         <p:spPr>
           <a:xfrm>
-            <a:off x="2420444" y="3366620"/>
+            <a:off x="4120522" y="3496098"/>
             <a:ext cx="591216" cy="369332"/>
           </a:xfrm>
           <a:prstGeom prst="rect">
@@ -6133,7 +5463,7 @@
         </p:nvCxnSpPr>
         <p:spPr>
           <a:xfrm>
-            <a:off x="3115869" y="4439384"/>
+            <a:off x="4815947" y="4568862"/>
             <a:ext cx="2217396" cy="0"/>
           </a:xfrm>
           <a:prstGeom prst="straightConnector1">
@@ -6175,7 +5505,7 @@
         </p:nvSpPr>
         <p:spPr>
           <a:xfrm>
-            <a:off x="5354125" y="4411451"/>
+            <a:off x="7046368" y="4538953"/>
             <a:ext cx="124913" cy="199942"/>
           </a:xfrm>
           <a:prstGeom prst="rect">
@@ -6228,7 +5558,7 @@
         </p:nvSpPr>
         <p:spPr>
           <a:xfrm>
-            <a:off x="3617848" y="4249346"/>
+            <a:off x="5317926" y="4378824"/>
             <a:ext cx="1601883" cy="153888"/>
           </a:xfrm>
           <a:prstGeom prst="rect">
@@ -6303,7 +5633,7 @@
         </p:nvSpPr>
         <p:spPr>
           <a:xfrm>
-            <a:off x="3076159" y="3410013"/>
+            <a:off x="4776237" y="3539491"/>
             <a:ext cx="213649" cy="229239"/>
           </a:xfrm>
           <a:custGeom>
@@ -6453,6 +5783,59 @@
       </p:sp>
       <p:sp>
         <p:nvSpPr>
+          <p:cNvPr id="176" name="Rectangle 175">
+            <a:extLst>
+              <a:ext uri="{FF2B5EF4-FFF2-40B4-BE49-F238E27FC236}">
+                <a16:creationId xmlns:a16="http://schemas.microsoft.com/office/drawing/2014/main" id="{2D66E08D-835F-4466-9EC3-EE82FB48A737}"/>
+              </a:ext>
+            </a:extLst>
+          </p:cNvPr>
+          <p:cNvSpPr/>
+          <p:nvPr/>
+        </p:nvSpPr>
+        <p:spPr>
+          <a:xfrm>
+            <a:off x="5519317" y="5084581"/>
+            <a:ext cx="124913" cy="199942"/>
+          </a:xfrm>
+          <a:prstGeom prst="rect">
+            <a:avLst/>
+          </a:prstGeom>
+          <a:solidFill>
+            <a:srgbClr val="0070C0"/>
+          </a:solidFill>
+          <a:ln>
+            <a:solidFill>
+              <a:srgbClr val="0070C0"/>
+            </a:solidFill>
+          </a:ln>
+          <a:effectLst/>
+        </p:spPr>
+        <p:style>
+          <a:lnRef idx="1">
+            <a:schemeClr val="accent3"/>
+          </a:lnRef>
+          <a:fillRef idx="2">
+            <a:schemeClr val="accent3"/>
+          </a:fillRef>
+          <a:effectRef idx="1">
+            <a:schemeClr val="accent3"/>
+          </a:effectRef>
+          <a:fontRef idx="minor">
+            <a:schemeClr val="dk1"/>
+          </a:fontRef>
+        </p:style>
+        <p:txBody>
+          <a:bodyPr rtlCol="0" anchor="ctr"/>
+          <a:lstStyle/>
+          <a:p>
+            <a:pPr algn="ctr"/>
+            <a:endParaRPr lang="en-SG" sz="1400"/>
+          </a:p>
+        </p:txBody>
+      </p:sp>
+      <p:sp>
+        <p:nvSpPr>
           <p:cNvPr id="175" name="Rectangle 62">
             <a:extLst>
               <a:ext uri="{FF2B5EF4-FFF2-40B4-BE49-F238E27FC236}">
@@ -6465,7 +5848,7 @@
         </p:nvSpPr>
         <p:spPr>
           <a:xfrm>
-            <a:off x="3324413" y="4669323"/>
+            <a:off x="5168215" y="4819798"/>
             <a:ext cx="850218" cy="321384"/>
           </a:xfrm>
           <a:prstGeom prst="rect">
@@ -6506,7 +5889,7 @@
                   <a:schemeClr val="bg1"/>
                 </a:solidFill>
               </a:rPr>
-              <a:t>:Find</a:t>
+              <a:t>f:Find</a:t>
             </a:r>
             <a:br>
               <a:rPr lang="en-US" sz="1100" dirty="0">
@@ -6531,12 +5914,57 @@
           </a:p>
         </p:txBody>
       </p:sp>
-      <p:sp>
-        <p:nvSpPr>
-          <p:cNvPr id="176" name="Rectangle 175">
+      <p:cxnSp>
+        <p:nvCxnSpPr>
+          <p:cNvPr id="177" name="Straight Arrow Connector 176">
             <a:extLst>
               <a:ext uri="{FF2B5EF4-FFF2-40B4-BE49-F238E27FC236}">
-                <a16:creationId xmlns:a16="http://schemas.microsoft.com/office/drawing/2014/main" id="{2D66E08D-835F-4466-9EC3-EE82FB48A737}"/>
+                <a16:creationId xmlns:a16="http://schemas.microsoft.com/office/drawing/2014/main" id="{6F7BE8ED-7D95-48BB-8067-00C45C920D34}"/>
+              </a:ext>
+            </a:extLst>
+          </p:cNvPr>
+          <p:cNvCxnSpPr>
+            <a:cxnSpLocks/>
+            <a:endCxn id="175" idx="1"/>
+          </p:cNvCxnSpPr>
+          <p:nvPr/>
+        </p:nvCxnSpPr>
+        <p:spPr>
+          <a:xfrm>
+            <a:off x="4804449" y="4980490"/>
+            <a:ext cx="363766" cy="0"/>
+          </a:xfrm>
+          <a:prstGeom prst="straightConnector1">
+            <a:avLst/>
+          </a:prstGeom>
+          <a:ln w="19050">
+            <a:solidFill>
+              <a:srgbClr val="0070C0"/>
+            </a:solidFill>
+            <a:tailEnd type="arrow"/>
+          </a:ln>
+        </p:spPr>
+        <p:style>
+          <a:lnRef idx="1">
+            <a:schemeClr val="accent1"/>
+          </a:lnRef>
+          <a:fillRef idx="0">
+            <a:schemeClr val="accent1"/>
+          </a:fillRef>
+          <a:effectRef idx="0">
+            <a:schemeClr val="accent1"/>
+          </a:effectRef>
+          <a:fontRef idx="minor">
+            <a:schemeClr val="tx1"/>
+          </a:fontRef>
+        </p:style>
+      </p:cxnSp>
+      <p:sp>
+        <p:nvSpPr>
+          <p:cNvPr id="181" name="Rectangle 180">
+            <a:extLst>
+              <a:ext uri="{FF2B5EF4-FFF2-40B4-BE49-F238E27FC236}">
+                <a16:creationId xmlns:a16="http://schemas.microsoft.com/office/drawing/2014/main" id="{74E8A99A-B419-4D5F-8BD6-5F6BD1EBEAA2}"/>
               </a:ext>
             </a:extLst>
           </p:cNvPr>
@@ -6545,45 +5973,214 @@
         </p:nvSpPr>
         <p:spPr>
           <a:xfrm>
-            <a:off x="3687065" y="4937019"/>
-            <a:ext cx="124913" cy="199942"/>
+            <a:off x="4812681" y="4719025"/>
+            <a:ext cx="327334" cy="307777"/>
           </a:xfrm>
           <a:prstGeom prst="rect">
             <a:avLst/>
           </a:prstGeom>
-          <a:solidFill>
-            <a:srgbClr val="0070C0"/>
-          </a:solidFill>
-          <a:ln>
+        </p:spPr>
+        <p:txBody>
+          <a:bodyPr wrap="none">
+            <a:spAutoFit/>
+          </a:bodyPr>
+          <a:lstStyle/>
+          <a:p>
+            <a:r>
+              <a:rPr lang="en-US" sz="1400" dirty="0">
+                <a:solidFill>
+                  <a:srgbClr val="7030A0"/>
+                </a:solidFill>
+              </a:rPr>
+              <a:t>m</a:t>
+            </a:r>
+          </a:p>
+        </p:txBody>
+      </p:sp>
+      <p:cxnSp>
+        <p:nvCxnSpPr>
+          <p:cNvPr id="185" name="Straight Arrow Connector 184">
+            <a:extLst>
+              <a:ext uri="{FF2B5EF4-FFF2-40B4-BE49-F238E27FC236}">
+                <a16:creationId xmlns:a16="http://schemas.microsoft.com/office/drawing/2014/main" id="{69C3F160-E57C-437B-A172-8DBAACD06F70}"/>
+              </a:ext>
+            </a:extLst>
+          </p:cNvPr>
+          <p:cNvCxnSpPr>
+            <a:cxnSpLocks/>
+          </p:cNvCxnSpPr>
+          <p:nvPr/>
+        </p:nvCxnSpPr>
+        <p:spPr>
+          <a:xfrm flipV="1">
+            <a:off x="3281627" y="5436900"/>
+            <a:ext cx="1373626" cy="3224"/>
+          </a:xfrm>
+          <a:prstGeom prst="straightConnector1">
+            <a:avLst/>
+          </a:prstGeom>
+          <a:ln w="19050">
             <a:solidFill>
               <a:srgbClr val="0070C0"/>
             </a:solidFill>
+            <a:prstDash val="sysDash"/>
+            <a:headEnd type="arrow" w="med" len="med"/>
+            <a:tailEnd type="none" w="med" len="med"/>
+          </a:ln>
+        </p:spPr>
+        <p:style>
+          <a:lnRef idx="1">
+            <a:schemeClr val="accent1"/>
+          </a:lnRef>
+          <a:fillRef idx="0">
+            <a:schemeClr val="accent1"/>
+          </a:fillRef>
+          <a:effectRef idx="0">
+            <a:schemeClr val="accent1"/>
+          </a:effectRef>
+          <a:fontRef idx="minor">
+            <a:schemeClr val="tx1"/>
+          </a:fontRef>
+        </p:style>
+      </p:cxnSp>
+      <p:cxnSp>
+        <p:nvCxnSpPr>
+          <p:cNvPr id="188" name="Straight Arrow Connector 187">
+            <a:extLst>
+              <a:ext uri="{FF2B5EF4-FFF2-40B4-BE49-F238E27FC236}">
+                <a16:creationId xmlns:a16="http://schemas.microsoft.com/office/drawing/2014/main" id="{49C305CC-1029-4BB3-A0D3-7B39D407908A}"/>
+              </a:ext>
+            </a:extLst>
+          </p:cNvPr>
+          <p:cNvCxnSpPr>
+            <a:cxnSpLocks/>
+          </p:cNvCxnSpPr>
+          <p:nvPr/>
+        </p:nvCxnSpPr>
+        <p:spPr>
+          <a:xfrm>
+            <a:off x="1661068" y="5710065"/>
+            <a:ext cx="1489860" cy="0"/>
+          </a:xfrm>
+          <a:prstGeom prst="straightConnector1">
+            <a:avLst/>
+          </a:prstGeom>
+          <a:ln w="19050">
+            <a:solidFill>
+              <a:srgbClr val="0070C0"/>
+            </a:solidFill>
+            <a:prstDash val="sysDash"/>
+            <a:headEnd type="arrow" w="med" len="med"/>
+            <a:tailEnd type="none" w="med" len="med"/>
+          </a:ln>
+        </p:spPr>
+        <p:style>
+          <a:lnRef idx="1">
+            <a:schemeClr val="accent1"/>
+          </a:lnRef>
+          <a:fillRef idx="0">
+            <a:schemeClr val="accent1"/>
+          </a:fillRef>
+          <a:effectRef idx="0">
+            <a:schemeClr val="accent1"/>
+          </a:effectRef>
+          <a:fontRef idx="minor">
+            <a:schemeClr val="tx1"/>
+          </a:fontRef>
+        </p:style>
+      </p:cxnSp>
+      <p:sp>
+        <p:nvSpPr>
+          <p:cNvPr id="190" name="TextBox 189">
+            <a:extLst>
+              <a:ext uri="{FF2B5EF4-FFF2-40B4-BE49-F238E27FC236}">
+                <a16:creationId xmlns:a16="http://schemas.microsoft.com/office/drawing/2014/main" id="{7009427C-0F06-4A11-8205-C99CF629BA91}"/>
+              </a:ext>
+            </a:extLst>
+          </p:cNvPr>
+          <p:cNvSpPr txBox="1"/>
+          <p:nvPr/>
+        </p:nvSpPr>
+        <p:spPr>
+          <a:xfrm>
+            <a:off x="1661068" y="5476488"/>
+            <a:ext cx="702471" cy="215444"/>
+          </a:xfrm>
+          <a:prstGeom prst="rect">
+            <a:avLst/>
+          </a:prstGeom>
+          <a:noFill/>
+        </p:spPr>
+        <p:txBody>
+          <a:bodyPr wrap="square" lIns="0" tIns="0" rIns="0" bIns="0" rtlCol="0">
+            <a:spAutoFit/>
+          </a:bodyPr>
+          <a:lstStyle>
+            <a:defPPr>
+              <a:defRPr lang="en-US"/>
+            </a:defPPr>
+            <a:lvl1pPr algn="r">
+              <a:defRPr sz="1400">
+                <a:solidFill>
+                  <a:srgbClr val="0070C0"/>
+                </a:solidFill>
+              </a:defRPr>
+            </a:lvl1pPr>
+          </a:lstStyle>
+          <a:p>
+            <a:r>
+              <a:rPr lang="en-US" dirty="0"/>
+              <a:t>f</a:t>
+            </a:r>
+          </a:p>
+        </p:txBody>
+      </p:sp>
+      <p:cxnSp>
+        <p:nvCxnSpPr>
+          <p:cNvPr id="192" name="Straight Connector 191">
+            <a:extLst>
+              <a:ext uri="{FF2B5EF4-FFF2-40B4-BE49-F238E27FC236}">
+                <a16:creationId xmlns:a16="http://schemas.microsoft.com/office/drawing/2014/main" id="{DD12EC1A-CF98-4F68-AB28-5116BF39B1F0}"/>
+              </a:ext>
+            </a:extLst>
+          </p:cNvPr>
+          <p:cNvCxnSpPr>
+            <a:cxnSpLocks/>
+            <a:stCxn id="176" idx="2"/>
+          </p:cNvCxnSpPr>
+          <p:nvPr/>
+        </p:nvCxnSpPr>
+        <p:spPr>
+          <a:xfrm>
+            <a:off x="5581774" y="5284523"/>
+            <a:ext cx="0" cy="729237"/>
+          </a:xfrm>
+          <a:prstGeom prst="line">
+            <a:avLst/>
+          </a:prstGeom>
+          <a:ln w="19050">
+            <a:solidFill>
+              <a:srgbClr val="0070C0"/>
+            </a:solidFill>
+            <a:prstDash val="sysDash"/>
           </a:ln>
           <a:effectLst/>
         </p:spPr>
         <p:style>
           <a:lnRef idx="1">
-            <a:schemeClr val="accent3"/>
+            <a:schemeClr val="accent1"/>
           </a:lnRef>
           <a:fillRef idx="2">
-            <a:schemeClr val="accent3"/>
+            <a:schemeClr val="accent1"/>
           </a:fillRef>
           <a:effectRef idx="1">
-            <a:schemeClr val="accent3"/>
+            <a:schemeClr val="accent1"/>
           </a:effectRef>
           <a:fontRef idx="minor">
             <a:schemeClr val="dk1"/>
           </a:fontRef>
         </p:style>
-        <p:txBody>
-          <a:bodyPr rtlCol="0" anchor="ctr"/>
-          <a:lstStyle/>
-          <a:p>
-            <a:pPr algn="ctr"/>
-            <a:endParaRPr lang="en-SG" sz="1400"/>
-          </a:p>
-        </p:txBody>
-      </p:sp>
+      </p:cxnSp>
     </p:spTree>
     <p:extLst>
       <p:ext uri="{BB962C8B-B14F-4D97-AF65-F5344CB8AC3E}">

--- a/docs/diagrams/FindSequenceDiagram.pptx
+++ b/docs/diagrams/FindSequenceDiagram.pptx
@@ -208,7 +208,7 @@
           <a:p>
             <a:fld id="{F5CC4B3F-88C1-4FFA-B1B6-F41C21DC6924}" type="datetimeFigureOut">
               <a:rPr lang="en-US" smtClean="0"/>
-              <a:t>4/4/2019</a:t>
+              <a:t>4/9/2019</a:t>
             </a:fld>
             <a:endParaRPr lang="en-US"/>
           </a:p>
@@ -654,7 +654,7 @@
           <a:p>
             <a:fld id="{78C97017-6FC3-485B-9764-EAC9E56C1D49}" type="datetimeFigureOut">
               <a:rPr lang="en-US" smtClean="0"/>
-              <a:t>4/4/2019</a:t>
+              <a:t>4/9/2019</a:t>
             </a:fld>
             <a:endParaRPr lang="en-US"/>
           </a:p>
@@ -822,7 +822,7 @@
           <a:p>
             <a:fld id="{78C97017-6FC3-485B-9764-EAC9E56C1D49}" type="datetimeFigureOut">
               <a:rPr lang="en-US" smtClean="0"/>
-              <a:t>4/4/2019</a:t>
+              <a:t>4/9/2019</a:t>
             </a:fld>
             <a:endParaRPr lang="en-US"/>
           </a:p>
@@ -1000,7 +1000,7 @@
           <a:p>
             <a:fld id="{78C97017-6FC3-485B-9764-EAC9E56C1D49}" type="datetimeFigureOut">
               <a:rPr lang="en-US" smtClean="0"/>
-              <a:t>4/4/2019</a:t>
+              <a:t>4/9/2019</a:t>
             </a:fld>
             <a:endParaRPr lang="en-US"/>
           </a:p>
@@ -1168,7 +1168,7 @@
           <a:p>
             <a:fld id="{78C97017-6FC3-485B-9764-EAC9E56C1D49}" type="datetimeFigureOut">
               <a:rPr lang="en-US" smtClean="0"/>
-              <a:t>4/4/2019</a:t>
+              <a:t>4/9/2019</a:t>
             </a:fld>
             <a:endParaRPr lang="en-US"/>
           </a:p>
@@ -1413,7 +1413,7 @@
           <a:p>
             <a:fld id="{78C97017-6FC3-485B-9764-EAC9E56C1D49}" type="datetimeFigureOut">
               <a:rPr lang="en-US" smtClean="0"/>
-              <a:t>4/4/2019</a:t>
+              <a:t>4/9/2019</a:t>
             </a:fld>
             <a:endParaRPr lang="en-US"/>
           </a:p>
@@ -1698,7 +1698,7 @@
           <a:p>
             <a:fld id="{78C97017-6FC3-485B-9764-EAC9E56C1D49}" type="datetimeFigureOut">
               <a:rPr lang="en-US" smtClean="0"/>
-              <a:t>4/4/2019</a:t>
+              <a:t>4/9/2019</a:t>
             </a:fld>
             <a:endParaRPr lang="en-US"/>
           </a:p>
@@ -2117,7 +2117,7 @@
           <a:p>
             <a:fld id="{78C97017-6FC3-485B-9764-EAC9E56C1D49}" type="datetimeFigureOut">
               <a:rPr lang="en-US" smtClean="0"/>
-              <a:t>4/4/2019</a:t>
+              <a:t>4/9/2019</a:t>
             </a:fld>
             <a:endParaRPr lang="en-US"/>
           </a:p>
@@ -2234,7 +2234,7 @@
           <a:p>
             <a:fld id="{78C97017-6FC3-485B-9764-EAC9E56C1D49}" type="datetimeFigureOut">
               <a:rPr lang="en-US" smtClean="0"/>
-              <a:t>4/4/2019</a:t>
+              <a:t>4/9/2019</a:t>
             </a:fld>
             <a:endParaRPr lang="en-US"/>
           </a:p>
@@ -2329,7 +2329,7 @@
           <a:p>
             <a:fld id="{78C97017-6FC3-485B-9764-EAC9E56C1D49}" type="datetimeFigureOut">
               <a:rPr lang="en-US" smtClean="0"/>
-              <a:t>4/4/2019</a:t>
+              <a:t>4/9/2019</a:t>
             </a:fld>
             <a:endParaRPr lang="en-US"/>
           </a:p>
@@ -2604,7 +2604,7 @@
           <a:p>
             <a:fld id="{78C97017-6FC3-485B-9764-EAC9E56C1D49}" type="datetimeFigureOut">
               <a:rPr lang="en-US" smtClean="0"/>
-              <a:t>4/4/2019</a:t>
+              <a:t>4/9/2019</a:t>
             </a:fld>
             <a:endParaRPr lang="en-US"/>
           </a:p>
@@ -2856,7 +2856,7 @@
           <a:p>
             <a:fld id="{78C97017-6FC3-485B-9764-EAC9E56C1D49}" type="datetimeFigureOut">
               <a:rPr lang="en-US" smtClean="0"/>
-              <a:t>4/4/2019</a:t>
+              <a:t>4/9/2019</a:t>
             </a:fld>
             <a:endParaRPr lang="en-US"/>
           </a:p>
@@ -3067,7 +3067,7 @@
           <a:p>
             <a:fld id="{78C97017-6FC3-485B-9764-EAC9E56C1D49}" type="datetimeFigureOut">
               <a:rPr lang="en-US" smtClean="0"/>
-              <a:t>4/4/2019</a:t>
+              <a:t>4/9/2019</a:t>
             </a:fld>
             <a:endParaRPr lang="en-US"/>
           </a:p>
@@ -3578,8 +3578,8 @@
         </p:nvSpPr>
         <p:spPr>
           <a:xfrm>
-            <a:off x="3987034" y="3198223"/>
-            <a:ext cx="4782937" cy="1126271"/>
+            <a:off x="3987034" y="3010780"/>
+            <a:ext cx="4852163" cy="1349667"/>
           </a:xfrm>
           <a:prstGeom prst="roundRect">
             <a:avLst>
@@ -3625,6 +3625,65 @@
       </p:sp>
       <p:sp>
         <p:nvSpPr>
+          <p:cNvPr id="54" name="Rectangle 65">
+            <a:extLst>
+              <a:ext uri="{FF2B5EF4-FFF2-40B4-BE49-F238E27FC236}">
+                <a16:creationId xmlns:a16="http://schemas.microsoft.com/office/drawing/2014/main" id="{FDF2E5F6-CA25-41C2-90D8-F3A99851D611}"/>
+              </a:ext>
+            </a:extLst>
+          </p:cNvPr>
+          <p:cNvSpPr/>
+          <p:nvPr/>
+        </p:nvSpPr>
+        <p:spPr>
+          <a:xfrm>
+            <a:off x="4092824" y="3458481"/>
+            <a:ext cx="4648641" cy="752102"/>
+          </a:xfrm>
+          <a:prstGeom prst="roundRect">
+            <a:avLst>
+              <a:gd name="adj" fmla="val 3484"/>
+            </a:avLst>
+          </a:prstGeom>
+          <a:solidFill>
+            <a:schemeClr val="accent1">
+              <a:lumMod val="40000"/>
+              <a:lumOff val="60000"/>
+            </a:schemeClr>
+          </a:solidFill>
+          <a:ln w="19050">
+            <a:noFill/>
+          </a:ln>
+          <a:effectLst/>
+        </p:spPr>
+        <p:style>
+          <a:lnRef idx="1">
+            <a:schemeClr val="accent2"/>
+          </a:lnRef>
+          <a:fillRef idx="2">
+            <a:schemeClr val="accent2"/>
+          </a:fillRef>
+          <a:effectRef idx="1">
+            <a:schemeClr val="accent2"/>
+          </a:effectRef>
+          <a:fontRef idx="minor">
+            <a:schemeClr val="dk1"/>
+          </a:fontRef>
+        </p:style>
+        <p:txBody>
+          <a:bodyPr rtlCol="0" anchor="t"/>
+          <a:lstStyle/>
+          <a:p>
+            <a:endParaRPr lang="en-SG" sz="1200" b="1" dirty="0">
+              <a:solidFill>
+                <a:srgbClr val="7030A0"/>
+              </a:solidFill>
+            </a:endParaRPr>
+          </a:p>
+        </p:txBody>
+      </p:sp>
+      <p:sp>
+        <p:nvSpPr>
           <p:cNvPr id="102" name="Rectangle 101">
             <a:extLst>
               <a:ext uri="{FF2B5EF4-FFF2-40B4-BE49-F238E27FC236}">
@@ -3690,7 +3749,7 @@
         </p:nvSpPr>
         <p:spPr>
           <a:xfrm>
-            <a:off x="4107651" y="3256876"/>
+            <a:off x="3993431" y="3024935"/>
             <a:ext cx="423242" cy="261919"/>
           </a:xfrm>
           <a:custGeom>
@@ -3801,7 +3860,7 @@
         <p:spPr>
           <a:xfrm>
             <a:off x="7986539" y="3913188"/>
-            <a:ext cx="0" cy="373125"/>
+            <a:ext cx="0" cy="619524"/>
           </a:xfrm>
           <a:prstGeom prst="line">
             <a:avLst/>
@@ -4999,7 +5058,7 @@
         </p:nvSpPr>
         <p:spPr>
           <a:xfrm>
-            <a:off x="4609252" y="3269003"/>
+            <a:off x="4726850" y="3535462"/>
             <a:ext cx="1544268" cy="246221"/>
           </a:xfrm>
           <a:prstGeom prst="rect">
@@ -5414,8 +5473,8 @@
         </p:nvSpPr>
         <p:spPr>
           <a:xfrm>
-            <a:off x="4120522" y="3496098"/>
-            <a:ext cx="591216" cy="369332"/>
+            <a:off x="4369307" y="2999500"/>
+            <a:ext cx="870868" cy="246221"/>
           </a:xfrm>
           <a:prstGeom prst="rect">
             <a:avLst/>
@@ -6181,6 +6240,166 @@
           </a:fontRef>
         </p:style>
       </p:cxnSp>
+      <p:sp>
+        <p:nvSpPr>
+          <p:cNvPr id="55" name="Freeform: Shape 54">
+            <a:extLst>
+              <a:ext uri="{FF2B5EF4-FFF2-40B4-BE49-F238E27FC236}">
+                <a16:creationId xmlns:a16="http://schemas.microsoft.com/office/drawing/2014/main" id="{DA08C55C-BAE7-4A39-A543-362160855054}"/>
+              </a:ext>
+            </a:extLst>
+          </p:cNvPr>
+          <p:cNvSpPr/>
+          <p:nvPr/>
+        </p:nvSpPr>
+        <p:spPr>
+          <a:xfrm>
+            <a:off x="4092824" y="3467310"/>
+            <a:ext cx="373727" cy="157659"/>
+          </a:xfrm>
+          <a:custGeom>
+            <a:avLst/>
+            <a:gdLst>
+              <a:gd name="connsiteX0" fmla="*/ 0 w 603681"/>
+              <a:gd name="connsiteY0" fmla="*/ 319596 h 328474"/>
+              <a:gd name="connsiteX1" fmla="*/ 443883 w 603681"/>
+              <a:gd name="connsiteY1" fmla="*/ 328474 h 328474"/>
+              <a:gd name="connsiteX2" fmla="*/ 594803 w 603681"/>
+              <a:gd name="connsiteY2" fmla="*/ 230819 h 328474"/>
+              <a:gd name="connsiteX3" fmla="*/ 603681 w 603681"/>
+              <a:gd name="connsiteY3" fmla="*/ 0 h 328474"/>
+              <a:gd name="connsiteX4" fmla="*/ 17755 w 603681"/>
+              <a:gd name="connsiteY4" fmla="*/ 0 h 328474"/>
+              <a:gd name="connsiteX5" fmla="*/ 0 w 603681"/>
+              <a:gd name="connsiteY5" fmla="*/ 319596 h 328474"/>
+            </a:gdLst>
+            <a:ahLst/>
+            <a:cxnLst>
+              <a:cxn ang="0">
+                <a:pos x="connsiteX0" y="connsiteY0"/>
+              </a:cxn>
+              <a:cxn ang="0">
+                <a:pos x="connsiteX1" y="connsiteY1"/>
+              </a:cxn>
+              <a:cxn ang="0">
+                <a:pos x="connsiteX2" y="connsiteY2"/>
+              </a:cxn>
+              <a:cxn ang="0">
+                <a:pos x="connsiteX3" y="connsiteY3"/>
+              </a:cxn>
+              <a:cxn ang="0">
+                <a:pos x="connsiteX4" y="connsiteY4"/>
+              </a:cxn>
+              <a:cxn ang="0">
+                <a:pos x="connsiteX5" y="connsiteY5"/>
+              </a:cxn>
+            </a:cxnLst>
+            <a:rect l="l" t="t" r="r" b="b"/>
+            <a:pathLst>
+              <a:path w="603681" h="328474">
+                <a:moveTo>
+                  <a:pt x="0" y="319596"/>
+                </a:moveTo>
+                <a:lnTo>
+                  <a:pt x="443883" y="328474"/>
+                </a:lnTo>
+                <a:lnTo>
+                  <a:pt x="594803" y="230819"/>
+                </a:lnTo>
+                <a:lnTo>
+                  <a:pt x="603681" y="0"/>
+                </a:lnTo>
+                <a:lnTo>
+                  <a:pt x="17755" y="0"/>
+                </a:lnTo>
+                <a:lnTo>
+                  <a:pt x="0" y="319596"/>
+                </a:lnTo>
+                <a:close/>
+              </a:path>
+            </a:pathLst>
+          </a:custGeom>
+          <a:solidFill>
+            <a:schemeClr val="accent1">
+              <a:lumMod val="60000"/>
+              <a:lumOff val="40000"/>
+            </a:schemeClr>
+          </a:solidFill>
+          <a:ln>
+            <a:solidFill>
+              <a:schemeClr val="accent1">
+                <a:lumMod val="50000"/>
+              </a:schemeClr>
+            </a:solidFill>
+          </a:ln>
+        </p:spPr>
+        <p:style>
+          <a:lnRef idx="2">
+            <a:schemeClr val="accent1">
+              <a:shade val="50000"/>
+            </a:schemeClr>
+          </a:lnRef>
+          <a:fillRef idx="1">
+            <a:schemeClr val="accent1"/>
+          </a:fillRef>
+          <a:effectRef idx="0">
+            <a:schemeClr val="accent1"/>
+          </a:effectRef>
+          <a:fontRef idx="minor">
+            <a:schemeClr val="lt1"/>
+          </a:fontRef>
+        </p:style>
+        <p:txBody>
+          <a:bodyPr rtlCol="0" anchor="ctr"/>
+          <a:lstStyle/>
+          <a:p>
+            <a:pPr algn="ctr"/>
+            <a:r>
+              <a:rPr lang="en-US" sz="800" dirty="0"/>
+              <a:t>opt</a:t>
+            </a:r>
+          </a:p>
+        </p:txBody>
+      </p:sp>
+      <p:sp>
+        <p:nvSpPr>
+          <p:cNvPr id="57" name="TextBox 56">
+            <a:extLst>
+              <a:ext uri="{FF2B5EF4-FFF2-40B4-BE49-F238E27FC236}">
+                <a16:creationId xmlns:a16="http://schemas.microsoft.com/office/drawing/2014/main" id="{A76BA83B-D04F-49A0-887F-53FAC6C93589}"/>
+              </a:ext>
+            </a:extLst>
+          </p:cNvPr>
+          <p:cNvSpPr txBox="1"/>
+          <p:nvPr/>
+        </p:nvSpPr>
+        <p:spPr>
+          <a:xfrm>
+            <a:off x="4032247" y="3604299"/>
+            <a:ext cx="560638" cy="369332"/>
+          </a:xfrm>
+          <a:prstGeom prst="rect">
+            <a:avLst/>
+          </a:prstGeom>
+          <a:noFill/>
+        </p:spPr>
+        <p:txBody>
+          <a:bodyPr wrap="square" rtlCol="0">
+            <a:spAutoFit/>
+          </a:bodyPr>
+          <a:lstStyle/>
+          <a:p>
+            <a:r>
+              <a:rPr lang="en-US" sz="800" dirty="0"/>
+              <a:t>[if prefix present</a:t>
+            </a:r>
+            <a:r>
+              <a:rPr lang="en-US" sz="1000" dirty="0"/>
+              <a:t>]</a:t>
+            </a:r>
+          </a:p>
+        </p:txBody>
+      </p:sp>
     </p:spTree>
     <p:extLst>
       <p:ext uri="{BB962C8B-B14F-4D97-AF65-F5344CB8AC3E}">
